--- a/AngularJS/lesson_18/Presentation/directives_2.pptx
+++ b/AngularJS/lesson_18/Presentation/directives_2.pptx
@@ -108,6 +108,22 @@
       </a:defRPr>
     </a:lvl9pPr>
   </p:defaultTextStyle>
+  <p:extLst>
+    <p:ext uri="{EFAFB233-063F-42B5-8137-9DF3F51BA10A}">
+      <p15:sldGuideLst xmlns:p15="http://schemas.microsoft.com/office/powerpoint/2012/main">
+        <p15:guide id="1" orient="horz" pos="2160">
+          <p15:clr>
+            <a:srgbClr val="A4A3A4"/>
+          </p15:clr>
+        </p15:guide>
+        <p15:guide id="2" pos="2880">
+          <p15:clr>
+            <a:srgbClr val="A4A3A4"/>
+          </p15:clr>
+        </p15:guide>
+      </p15:sldGuideLst>
+    </p:ext>
+  </p:extLst>
 </p:presentation>
 </file>
 
@@ -166,10 +182,9 @@
           </a:lstStyle>
           <a:p>
             <a:r>
-              <a:rPr lang="en-US" dirty="0" smtClean="0"/>
+              <a:rPr lang="en-US" dirty="0"/>
               <a:t>title style</a:t>
             </a:r>
-            <a:endParaRPr lang="en-US" dirty="0"/>
           </a:p>
         </p:txBody>
       </p:sp>
@@ -289,7 +304,7 @@
           </a:lstStyle>
           <a:p>
             <a:r>
-              <a:rPr lang="ru-RU" smtClean="0"/>
+              <a:rPr lang="ru-RU"/>
               <a:t>Образец подзаголовка</a:t>
             </a:r>
             <a:endParaRPr lang="en-US" dirty="0"/>
@@ -618,20 +633,13 @@
     </p:spTree>
     <p:extLst>
       <p:ext uri="{BB962C8B-B14F-4D97-AF65-F5344CB8AC3E}">
-        <p14:creationId xmlns="" xmlns:p14="http://schemas.microsoft.com/office/powerpoint/2010/main" val="3537187278"/>
+        <p14:creationId xmlns:p14="http://schemas.microsoft.com/office/powerpoint/2010/main" val="3537187278"/>
       </p:ext>
     </p:extLst>
   </p:cSld>
   <p:clrMapOvr>
     <a:overrideClrMapping bg1="lt1" tx1="dk1" bg2="lt2" tx2="dk2" accent1="accent1" accent2="accent2" accent3="accent3" accent4="accent4" accent5="accent5" accent6="accent6" hlink="hlink" folHlink="folHlink"/>
   </p:clrMapOvr>
-  <p:timing>
-    <p:tnLst>
-      <p:par>
-        <p:cTn id="1" dur="indefinite" restart="never" nodeType="tmRoot"/>
-      </p:par>
-    </p:tnLst>
-  </p:timing>
 </p:sldLayout>
 </file>
 
@@ -664,7 +672,7 @@
           <a:blip r:embed="rId2" cstate="print">
             <a:extLst>
               <a:ext uri="{28A0092B-C50C-407E-A947-70E740481C1C}">
-                <a14:useLocalDpi xmlns="" xmlns:a14="http://schemas.microsoft.com/office/drawing/2010/main" val="0"/>
+                <a14:useLocalDpi xmlns:a14="http://schemas.microsoft.com/office/drawing/2010/main" val="0"/>
               </a:ext>
             </a:extLst>
           </a:blip>
@@ -688,14 +696,14 @@
           <a:effectLst/>
           <a:extLst>
             <a:ext uri="{909E8E84-426E-40DD-AFC4-6F175D3DCCD1}">
-              <a14:hiddenFill xmlns="" xmlns:a14="http://schemas.microsoft.com/office/drawing/2010/main">
+              <a14:hiddenFill xmlns:a14="http://schemas.microsoft.com/office/drawing/2010/main">
                 <a:solidFill>
                   <a:schemeClr val="accent1"/>
                 </a:solidFill>
               </a14:hiddenFill>
             </a:ext>
             <a:ext uri="{91240B29-F687-4F45-9708-019B960494DF}">
-              <a14:hiddenLine xmlns="" xmlns:a14="http://schemas.microsoft.com/office/drawing/2010/main" w="9525">
+              <a14:hiddenLine xmlns:a14="http://schemas.microsoft.com/office/drawing/2010/main" w="9525">
                 <a:solidFill>
                   <a:schemeClr val="tx1"/>
                 </a:solidFill>
@@ -705,7 +713,7 @@
               </a14:hiddenLine>
             </a:ext>
             <a:ext uri="{AF507438-7753-43E0-B8FC-AC1667EBCBE1}">
-              <a14:hiddenEffects xmlns="" xmlns:a14="http://schemas.microsoft.com/office/drawing/2010/main">
+              <a14:hiddenEffects xmlns:a14="http://schemas.microsoft.com/office/drawing/2010/main">
                 <a:effectLst>
                   <a:outerShdw dist="35921" dir="2700000" algn="ctr" rotWithShape="0">
                     <a:schemeClr val="bg2"/>
@@ -800,7 +808,7 @@
           </a:lstStyle>
           <a:p>
             <a:r>
-              <a:rPr lang="ru-RU" smtClean="0"/>
+              <a:rPr lang="ru-RU"/>
               <a:t>Образец заголовка</a:t>
             </a:r>
             <a:endParaRPr lang="en-US" dirty="0"/>
@@ -837,7 +845,7 @@
           <a:p>
             <a:pPr lvl="4"/>
             <a:r>
-              <a:rPr lang="en-US" dirty="0" smtClean="0"/>
+              <a:rPr lang="en-US" dirty="0"/>
               <a:t>Subtitle</a:t>
             </a:r>
           </a:p>
@@ -846,20 +854,13 @@
     </p:spTree>
     <p:extLst>
       <p:ext uri="{BB962C8B-B14F-4D97-AF65-F5344CB8AC3E}">
-        <p14:creationId xmlns="" xmlns:p14="http://schemas.microsoft.com/office/powerpoint/2010/main" val="2097366919"/>
+        <p14:creationId xmlns:p14="http://schemas.microsoft.com/office/powerpoint/2010/main" val="2097366919"/>
       </p:ext>
     </p:extLst>
   </p:cSld>
   <p:clrMapOvr>
     <a:masterClrMapping/>
   </p:clrMapOvr>
-  <p:timing>
-    <p:tnLst>
-      <p:par>
-        <p:cTn id="1" dur="indefinite" restart="never" nodeType="tmRoot"/>
-      </p:par>
-    </p:tnLst>
-  </p:timing>
 </p:sldLayout>
 </file>
 
@@ -1368,7 +1369,7 @@
     </p:spTree>
     <p:extLst>
       <p:ext uri="{BB962C8B-B14F-4D97-AF65-F5344CB8AC3E}">
-        <p14:creationId xmlns:p14="http://schemas.microsoft.com/office/powerpoint/2010/main" xmlns="" val="3537187278"/>
+        <p14:creationId xmlns:p14="http://schemas.microsoft.com/office/powerpoint/2010/main" val="3537187278"/>
       </p:ext>
     </p:extLst>
   </p:cSld>
@@ -1426,7 +1427,7 @@
           <a:lstStyle/>
           <a:p>
             <a:r>
-              <a:rPr lang="ru-RU" smtClean="0"/>
+              <a:rPr lang="ru-RU"/>
               <a:t>Образец заголовка</a:t>
             </a:r>
             <a:endParaRPr lang="en-US"/>
@@ -1436,7 +1437,7 @@
     </p:spTree>
     <p:extLst>
       <p:ext uri="{BB962C8B-B14F-4D97-AF65-F5344CB8AC3E}">
-        <p14:creationId xmlns="" xmlns:p14="http://schemas.microsoft.com/office/powerpoint/2010/main" val="779007194"/>
+        <p14:creationId xmlns:p14="http://schemas.microsoft.com/office/powerpoint/2010/main" val="779007194"/>
       </p:ext>
     </p:extLst>
   </p:cSld>
@@ -1446,13 +1447,6 @@
     <p:sldLayoutId id="2147483664" r:id="rId2"/>
     <p:sldLayoutId id="2147483665" r:id="rId3"/>
   </p:sldLayoutIdLst>
-  <p:timing>
-    <p:tnLst>
-      <p:par>
-        <p:cTn id="1" dur="indefinite" restart="never" nodeType="tmRoot"/>
-      </p:par>
-    </p:tnLst>
-  </p:timing>
   <p:txStyles>
     <p:titleStyle>
       <a:lvl1pPr algn="ctr" defTabSz="914400" rtl="0" eaLnBrk="1" latinLnBrk="0" hangingPunct="1">
@@ -1792,11 +1786,11 @@
           <a:lstStyle/>
           <a:p>
             <a:r>
-              <a:rPr lang="en-US" sz="2700" dirty="0" smtClean="0">
+              <a:rPr lang="en-US" sz="2700" dirty="0">
                 <a:solidFill>
                   <a:schemeClr val="bg1"/>
                 </a:solidFill>
-                <a:latin typeface="Roboto Thin" panose="02000000000000000000" pitchFamily="2" charset="0"/>
+                <a:latin typeface="Calibri Light" panose="020F0302020204030204" pitchFamily="34" charset="0"/>
                 <a:ea typeface="Roboto Thin" panose="02000000000000000000" pitchFamily="2" charset="0"/>
                 <a:cs typeface="Roboto Thin" panose="02000000000000000000" pitchFamily="2" charset="0"/>
               </a:rPr>
@@ -1806,248 +1800,13 @@
               <a:solidFill>
                 <a:srgbClr val="7564BC"/>
               </a:solidFill>
-              <a:latin typeface="Roboto Thin" panose="02000000000000000000" pitchFamily="2" charset="0"/>
+              <a:latin typeface="Calibri Light" panose="020F0302020204030204" pitchFamily="34" charset="0"/>
               <a:ea typeface="Roboto Thin" panose="02000000000000000000" pitchFamily="2" charset="0"/>
               <a:cs typeface="Roboto Thin" panose="02000000000000000000" pitchFamily="2" charset="0"/>
             </a:endParaRPr>
           </a:p>
         </p:txBody>
       </p:sp>
-      <p:sp>
-        <p:nvSpPr>
-          <p:cNvPr id="6" name="Subtitle 2"/>
-          <p:cNvSpPr txBox="1">
-            <a:spLocks/>
-          </p:cNvSpPr>
-          <p:nvPr/>
-        </p:nvSpPr>
-        <p:spPr>
-          <a:xfrm>
-            <a:off x="806449" y="1281006"/>
-            <a:ext cx="6322695" cy="507831"/>
-          </a:xfrm>
-          <a:prstGeom prst="rect">
-            <a:avLst/>
-          </a:prstGeom>
-        </p:spPr>
-        <p:txBody>
-          <a:bodyPr wrap="square">
-            <a:spAutoFit/>
-          </a:bodyPr>
-          <a:lstStyle>
-            <a:lvl1pPr marL="0" indent="0" algn="l" defTabSz="914400" rtl="0" eaLnBrk="1" latinLnBrk="0" hangingPunct="1">
-              <a:spcBef>
-                <a:spcPct val="20000"/>
-              </a:spcBef>
-              <a:buFont typeface="Arial" pitchFamily="34" charset="0"/>
-              <a:buNone/>
-              <a:defRPr sz="3200" kern="1200">
-                <a:solidFill>
-                  <a:schemeClr val="tx1">
-                    <a:tint val="75000"/>
-                  </a:schemeClr>
-                </a:solidFill>
-                <a:latin typeface="+mj-lt"/>
-                <a:ea typeface="+mn-ea"/>
-                <a:cs typeface="+mn-cs"/>
-              </a:defRPr>
-            </a:lvl1pPr>
-            <a:lvl2pPr marL="457200" indent="0" algn="ctr" defTabSz="914400" rtl="0" eaLnBrk="1" latinLnBrk="0" hangingPunct="1">
-              <a:spcBef>
-                <a:spcPct val="20000"/>
-              </a:spcBef>
-              <a:buFont typeface="Arial" pitchFamily="34" charset="0"/>
-              <a:buNone/>
-              <a:defRPr sz="2800" kern="1200">
-                <a:solidFill>
-                  <a:schemeClr val="tx1">
-                    <a:tint val="75000"/>
-                  </a:schemeClr>
-                </a:solidFill>
-                <a:latin typeface="+mn-lt"/>
-                <a:ea typeface="+mn-ea"/>
-                <a:cs typeface="+mn-cs"/>
-              </a:defRPr>
-            </a:lvl2pPr>
-            <a:lvl3pPr marL="914400" indent="0" algn="ctr" defTabSz="914400" rtl="0" eaLnBrk="1" latinLnBrk="0" hangingPunct="1">
-              <a:spcBef>
-                <a:spcPct val="20000"/>
-              </a:spcBef>
-              <a:buFont typeface="Arial" pitchFamily="34" charset="0"/>
-              <a:buNone/>
-              <a:defRPr sz="2400" kern="1200">
-                <a:solidFill>
-                  <a:schemeClr val="tx1">
-                    <a:tint val="75000"/>
-                  </a:schemeClr>
-                </a:solidFill>
-                <a:latin typeface="+mn-lt"/>
-                <a:ea typeface="+mn-ea"/>
-                <a:cs typeface="+mn-cs"/>
-              </a:defRPr>
-            </a:lvl3pPr>
-            <a:lvl4pPr marL="1371600" indent="0" algn="ctr" defTabSz="914400" rtl="0" eaLnBrk="1" latinLnBrk="0" hangingPunct="1">
-              <a:spcBef>
-                <a:spcPct val="20000"/>
-              </a:spcBef>
-              <a:buFont typeface="Arial" pitchFamily="34" charset="0"/>
-              <a:buNone/>
-              <a:defRPr sz="2000" kern="1200">
-                <a:solidFill>
-                  <a:schemeClr val="tx1">
-                    <a:tint val="75000"/>
-                  </a:schemeClr>
-                </a:solidFill>
-                <a:latin typeface="+mn-lt"/>
-                <a:ea typeface="+mn-ea"/>
-                <a:cs typeface="+mn-cs"/>
-              </a:defRPr>
-            </a:lvl4pPr>
-            <a:lvl5pPr marL="1828800" indent="0" algn="ctr" defTabSz="914400" rtl="0" eaLnBrk="1" latinLnBrk="0" hangingPunct="1">
-              <a:spcBef>
-                <a:spcPct val="20000"/>
-              </a:spcBef>
-              <a:buFont typeface="Arial" pitchFamily="34" charset="0"/>
-              <a:buNone/>
-              <a:defRPr sz="2000" kern="1200">
-                <a:solidFill>
-                  <a:schemeClr val="tx1">
-                    <a:tint val="75000"/>
-                  </a:schemeClr>
-                </a:solidFill>
-                <a:latin typeface="+mn-lt"/>
-                <a:ea typeface="+mn-ea"/>
-                <a:cs typeface="+mn-cs"/>
-              </a:defRPr>
-            </a:lvl5pPr>
-            <a:lvl6pPr marL="2286000" indent="0" algn="ctr" defTabSz="914400" rtl="0" eaLnBrk="1" latinLnBrk="0" hangingPunct="1">
-              <a:spcBef>
-                <a:spcPct val="20000"/>
-              </a:spcBef>
-              <a:buFont typeface="Arial" pitchFamily="34" charset="0"/>
-              <a:buNone/>
-              <a:defRPr sz="2000" kern="1200">
-                <a:solidFill>
-                  <a:schemeClr val="tx1">
-                    <a:tint val="75000"/>
-                  </a:schemeClr>
-                </a:solidFill>
-                <a:latin typeface="+mn-lt"/>
-                <a:ea typeface="+mn-ea"/>
-                <a:cs typeface="+mn-cs"/>
-              </a:defRPr>
-            </a:lvl6pPr>
-            <a:lvl7pPr marL="2743200" indent="0" algn="ctr" defTabSz="914400" rtl="0" eaLnBrk="1" latinLnBrk="0" hangingPunct="1">
-              <a:spcBef>
-                <a:spcPct val="20000"/>
-              </a:spcBef>
-              <a:buFont typeface="Arial" pitchFamily="34" charset="0"/>
-              <a:buNone/>
-              <a:defRPr sz="2000" kern="1200">
-                <a:solidFill>
-                  <a:schemeClr val="tx1">
-                    <a:tint val="75000"/>
-                  </a:schemeClr>
-                </a:solidFill>
-                <a:latin typeface="+mn-lt"/>
-                <a:ea typeface="+mn-ea"/>
-                <a:cs typeface="+mn-cs"/>
-              </a:defRPr>
-            </a:lvl7pPr>
-            <a:lvl8pPr marL="3200400" indent="0" algn="ctr" defTabSz="914400" rtl="0" eaLnBrk="1" latinLnBrk="0" hangingPunct="1">
-              <a:spcBef>
-                <a:spcPct val="20000"/>
-              </a:spcBef>
-              <a:buFont typeface="Arial" pitchFamily="34" charset="0"/>
-              <a:buNone/>
-              <a:defRPr sz="2000" kern="1200">
-                <a:solidFill>
-                  <a:schemeClr val="tx1">
-                    <a:tint val="75000"/>
-                  </a:schemeClr>
-                </a:solidFill>
-                <a:latin typeface="+mn-lt"/>
-                <a:ea typeface="+mn-ea"/>
-                <a:cs typeface="+mn-cs"/>
-              </a:defRPr>
-            </a:lvl8pPr>
-            <a:lvl9pPr marL="3657600" indent="0" algn="ctr" defTabSz="914400" rtl="0" eaLnBrk="1" latinLnBrk="0" hangingPunct="1">
-              <a:spcBef>
-                <a:spcPct val="20000"/>
-              </a:spcBef>
-              <a:buFont typeface="Arial" pitchFamily="34" charset="0"/>
-              <a:buNone/>
-              <a:defRPr sz="2000" kern="1200">
-                <a:solidFill>
-                  <a:schemeClr val="tx1">
-                    <a:tint val="75000"/>
-                  </a:schemeClr>
-                </a:solidFill>
-                <a:latin typeface="+mn-lt"/>
-                <a:ea typeface="+mn-ea"/>
-                <a:cs typeface="+mn-cs"/>
-              </a:defRPr>
-            </a:lvl9pPr>
-          </a:lstStyle>
-          <a:p>
-            <a:r>
-              <a:rPr lang="en-US" sz="2700" dirty="0">
-                <a:solidFill>
-                  <a:schemeClr val="tx1">
-                    <a:lumMod val="90000"/>
-                    <a:lumOff val="10000"/>
-                  </a:schemeClr>
-                </a:solidFill>
-                <a:latin typeface="Roboto Light" panose="02000000000000000000" pitchFamily="2" charset="0"/>
-                <a:ea typeface="Roboto Light" panose="02000000000000000000" pitchFamily="2" charset="0"/>
-                <a:cs typeface="Roboto Light" panose="02000000000000000000" pitchFamily="2" charset="0"/>
-              </a:rPr>
-              <a:t>The JavaScript Programming Language</a:t>
-            </a:r>
-          </a:p>
-        </p:txBody>
-      </p:sp>
-      <p:pic>
-        <p:nvPicPr>
-          <p:cNvPr id="1028" name="Picture 4" descr="C:\Users\Darick\Desktop\Mmww2.png"/>
-          <p:cNvPicPr>
-            <a:picLocks noChangeAspect="1" noChangeArrowheads="1"/>
-          </p:cNvPicPr>
-          <p:nvPr/>
-        </p:nvPicPr>
-        <p:blipFill>
-          <a:blip r:embed="rId2" cstate="print">
-            <a:extLst>
-              <a:ext uri="{28A0092B-C50C-407E-A947-70E740481C1C}">
-                <a14:useLocalDpi xmlns:a14="http://schemas.microsoft.com/office/drawing/2010/main" xmlns="" val="0"/>
-              </a:ext>
-            </a:extLst>
-          </a:blip>
-          <a:srcRect/>
-          <a:stretch>
-            <a:fillRect/>
-          </a:stretch>
-        </p:blipFill>
-        <p:spPr bwMode="auto">
-          <a:xfrm>
-            <a:off x="1" y="698501"/>
-            <a:ext cx="809625" cy="1079500"/>
-          </a:xfrm>
-          <a:prstGeom prst="rect">
-            <a:avLst/>
-          </a:prstGeom>
-          <a:noFill/>
-          <a:extLst>
-            <a:ext uri="{909E8E84-426E-40DD-AFC4-6F175D3DCCD1}">
-              <a14:hiddenFill xmlns:a14="http://schemas.microsoft.com/office/drawing/2010/main" xmlns="">
-                <a:solidFill>
-                  <a:srgbClr val="FFFFFF"/>
-                </a:solidFill>
-              </a14:hiddenFill>
-            </a:ext>
-          </a:extLst>
-        </p:spPr>
-      </p:pic>
       <p:sp>
         <p:nvSpPr>
           <p:cNvPr id="5" name="TextBox 4"/>
@@ -2071,21 +1830,470 @@
           <a:lstStyle/>
           <a:p>
             <a:r>
-              <a:rPr lang="ru-RU" sz="4400" dirty="0" smtClean="0">
+              <a:rPr lang="ru-RU" sz="4400" dirty="0">
                 <a:solidFill>
                   <a:srgbClr val="7564BC"/>
                 </a:solidFill>
+                <a:latin typeface="Calibri" panose="020F0502020204030204" pitchFamily="34" charset="0"/>
               </a:rPr>
               <a:t>Директивы</a:t>
             </a:r>
-            <a:endParaRPr lang="en-US" dirty="0"/>
+            <a:endParaRPr lang="en-US" dirty="0">
+              <a:latin typeface="Calibri" panose="020F0502020204030204" pitchFamily="34" charset="0"/>
+            </a:endParaRPr>
           </a:p>
         </p:txBody>
       </p:sp>
+      <p:grpSp>
+        <p:nvGrpSpPr>
+          <p:cNvPr id="8" name="Group 7"/>
+          <p:cNvGrpSpPr/>
+          <p:nvPr/>
+        </p:nvGrpSpPr>
+        <p:grpSpPr>
+          <a:xfrm>
+            <a:off x="1095828" y="1268760"/>
+            <a:ext cx="7890676" cy="981439"/>
+            <a:chOff x="976312" y="1284918"/>
+            <a:chExt cx="7890676" cy="981439"/>
+          </a:xfrm>
+        </p:grpSpPr>
+        <p:sp>
+          <p:nvSpPr>
+            <p:cNvPr id="9" name="Subtitle 2"/>
+            <p:cNvSpPr txBox="1">
+              <a:spLocks/>
+            </p:cNvSpPr>
+            <p:nvPr/>
+          </p:nvSpPr>
+          <p:spPr>
+            <a:xfrm>
+              <a:off x="1888060" y="1521428"/>
+              <a:ext cx="6322695" cy="507831"/>
+            </a:xfrm>
+            <a:prstGeom prst="rect">
+              <a:avLst/>
+            </a:prstGeom>
+          </p:spPr>
+          <p:txBody>
+            <a:bodyPr wrap="square">
+              <a:spAutoFit/>
+            </a:bodyPr>
+            <a:lstStyle>
+              <a:lvl1pPr marL="0" indent="0" algn="l" defTabSz="914400" rtl="0" eaLnBrk="1" latinLnBrk="0" hangingPunct="1">
+                <a:spcBef>
+                  <a:spcPct val="20000"/>
+                </a:spcBef>
+                <a:buFont typeface="Arial" pitchFamily="34" charset="0"/>
+                <a:buNone/>
+                <a:defRPr sz="3200" kern="1200">
+                  <a:solidFill>
+                    <a:schemeClr val="tx1">
+                      <a:tint val="75000"/>
+                    </a:schemeClr>
+                  </a:solidFill>
+                  <a:latin typeface="+mj-lt"/>
+                  <a:ea typeface="+mn-ea"/>
+                  <a:cs typeface="+mn-cs"/>
+                </a:defRPr>
+              </a:lvl1pPr>
+              <a:lvl2pPr marL="457200" indent="0" algn="ctr" defTabSz="914400" rtl="0" eaLnBrk="1" latinLnBrk="0" hangingPunct="1">
+                <a:spcBef>
+                  <a:spcPct val="20000"/>
+                </a:spcBef>
+                <a:buFont typeface="Arial" pitchFamily="34" charset="0"/>
+                <a:buNone/>
+                <a:defRPr sz="2800" kern="1200">
+                  <a:solidFill>
+                    <a:schemeClr val="tx1">
+                      <a:tint val="75000"/>
+                    </a:schemeClr>
+                  </a:solidFill>
+                  <a:latin typeface="+mn-lt"/>
+                  <a:ea typeface="+mn-ea"/>
+                  <a:cs typeface="+mn-cs"/>
+                </a:defRPr>
+              </a:lvl2pPr>
+              <a:lvl3pPr marL="914400" indent="0" algn="ctr" defTabSz="914400" rtl="0" eaLnBrk="1" latinLnBrk="0" hangingPunct="1">
+                <a:spcBef>
+                  <a:spcPct val="20000"/>
+                </a:spcBef>
+                <a:buFont typeface="Arial" pitchFamily="34" charset="0"/>
+                <a:buNone/>
+                <a:defRPr sz="2400" kern="1200">
+                  <a:solidFill>
+                    <a:schemeClr val="tx1">
+                      <a:tint val="75000"/>
+                    </a:schemeClr>
+                  </a:solidFill>
+                  <a:latin typeface="+mn-lt"/>
+                  <a:ea typeface="+mn-ea"/>
+                  <a:cs typeface="+mn-cs"/>
+                </a:defRPr>
+              </a:lvl3pPr>
+              <a:lvl4pPr marL="1371600" indent="0" algn="ctr" defTabSz="914400" rtl="0" eaLnBrk="1" latinLnBrk="0" hangingPunct="1">
+                <a:spcBef>
+                  <a:spcPct val="20000"/>
+                </a:spcBef>
+                <a:buFont typeface="Arial" pitchFamily="34" charset="0"/>
+                <a:buNone/>
+                <a:defRPr sz="2000" kern="1200">
+                  <a:solidFill>
+                    <a:schemeClr val="tx1">
+                      <a:tint val="75000"/>
+                    </a:schemeClr>
+                  </a:solidFill>
+                  <a:latin typeface="+mn-lt"/>
+                  <a:ea typeface="+mn-ea"/>
+                  <a:cs typeface="+mn-cs"/>
+                </a:defRPr>
+              </a:lvl4pPr>
+              <a:lvl5pPr marL="1828800" indent="0" algn="ctr" defTabSz="914400" rtl="0" eaLnBrk="1" latinLnBrk="0" hangingPunct="1">
+                <a:spcBef>
+                  <a:spcPct val="20000"/>
+                </a:spcBef>
+                <a:buFont typeface="Arial" pitchFamily="34" charset="0"/>
+                <a:buNone/>
+                <a:defRPr sz="2000" kern="1200">
+                  <a:solidFill>
+                    <a:schemeClr val="tx1">
+                      <a:tint val="75000"/>
+                    </a:schemeClr>
+                  </a:solidFill>
+                  <a:latin typeface="+mn-lt"/>
+                  <a:ea typeface="+mn-ea"/>
+                  <a:cs typeface="+mn-cs"/>
+                </a:defRPr>
+              </a:lvl5pPr>
+              <a:lvl6pPr marL="2286000" indent="0" algn="ctr" defTabSz="914400" rtl="0" eaLnBrk="1" latinLnBrk="0" hangingPunct="1">
+                <a:spcBef>
+                  <a:spcPct val="20000"/>
+                </a:spcBef>
+                <a:buFont typeface="Arial" pitchFamily="34" charset="0"/>
+                <a:buNone/>
+                <a:defRPr sz="2000" kern="1200">
+                  <a:solidFill>
+                    <a:schemeClr val="tx1">
+                      <a:tint val="75000"/>
+                    </a:schemeClr>
+                  </a:solidFill>
+                  <a:latin typeface="+mn-lt"/>
+                  <a:ea typeface="+mn-ea"/>
+                  <a:cs typeface="+mn-cs"/>
+                </a:defRPr>
+              </a:lvl6pPr>
+              <a:lvl7pPr marL="2743200" indent="0" algn="ctr" defTabSz="914400" rtl="0" eaLnBrk="1" latinLnBrk="0" hangingPunct="1">
+                <a:spcBef>
+                  <a:spcPct val="20000"/>
+                </a:spcBef>
+                <a:buFont typeface="Arial" pitchFamily="34" charset="0"/>
+                <a:buNone/>
+                <a:defRPr sz="2000" kern="1200">
+                  <a:solidFill>
+                    <a:schemeClr val="tx1">
+                      <a:tint val="75000"/>
+                    </a:schemeClr>
+                  </a:solidFill>
+                  <a:latin typeface="+mn-lt"/>
+                  <a:ea typeface="+mn-ea"/>
+                  <a:cs typeface="+mn-cs"/>
+                </a:defRPr>
+              </a:lvl7pPr>
+              <a:lvl8pPr marL="3200400" indent="0" algn="ctr" defTabSz="914400" rtl="0" eaLnBrk="1" latinLnBrk="0" hangingPunct="1">
+                <a:spcBef>
+                  <a:spcPct val="20000"/>
+                </a:spcBef>
+                <a:buFont typeface="Arial" pitchFamily="34" charset="0"/>
+                <a:buNone/>
+                <a:defRPr sz="2000" kern="1200">
+                  <a:solidFill>
+                    <a:schemeClr val="tx1">
+                      <a:tint val="75000"/>
+                    </a:schemeClr>
+                  </a:solidFill>
+                  <a:latin typeface="+mn-lt"/>
+                  <a:ea typeface="+mn-ea"/>
+                  <a:cs typeface="+mn-cs"/>
+                </a:defRPr>
+              </a:lvl8pPr>
+              <a:lvl9pPr marL="3657600" indent="0" algn="ctr" defTabSz="914400" rtl="0" eaLnBrk="1" latinLnBrk="0" hangingPunct="1">
+                <a:spcBef>
+                  <a:spcPct val="20000"/>
+                </a:spcBef>
+                <a:buFont typeface="Arial" pitchFamily="34" charset="0"/>
+                <a:buNone/>
+                <a:defRPr sz="2000" kern="1200">
+                  <a:solidFill>
+                    <a:schemeClr val="tx1">
+                      <a:tint val="75000"/>
+                    </a:schemeClr>
+                  </a:solidFill>
+                  <a:latin typeface="+mn-lt"/>
+                  <a:ea typeface="+mn-ea"/>
+                  <a:cs typeface="+mn-cs"/>
+                </a:defRPr>
+              </a:lvl9pPr>
+            </a:lstStyle>
+            <a:p>
+              <a:r>
+                <a:rPr lang="en-US" sz="2700" dirty="0">
+                  <a:solidFill>
+                    <a:schemeClr val="tx1"/>
+                  </a:solidFill>
+                  <a:latin typeface="Calibri" panose="020F0502020204030204" pitchFamily="34" charset="0"/>
+                  <a:ea typeface="Roboto Light" panose="02000000000000000000" pitchFamily="2" charset="0"/>
+                  <a:cs typeface="Roboto Light" panose="02000000000000000000" pitchFamily="2" charset="0"/>
+                </a:rPr>
+                <a:t>NGULAR</a:t>
+              </a:r>
+              <a:r>
+                <a:rPr lang="en-US" sz="2700" dirty="0">
+                  <a:solidFill>
+                    <a:srgbClr val="C00000"/>
+                  </a:solidFill>
+                  <a:latin typeface="Calibri" panose="020F0502020204030204" pitchFamily="34" charset="0"/>
+                  <a:ea typeface="Roboto Light" panose="02000000000000000000" pitchFamily="2" charset="0"/>
+                  <a:cs typeface="Roboto Light" panose="02000000000000000000" pitchFamily="2" charset="0"/>
+                </a:rPr>
+                <a:t>JS</a:t>
+              </a:r>
+              <a:endParaRPr lang="en-US" sz="2700" dirty="0">
+                <a:solidFill>
+                  <a:schemeClr val="tx1"/>
+                </a:solidFill>
+                <a:latin typeface="Calibri" panose="020F0502020204030204" pitchFamily="34" charset="0"/>
+                <a:ea typeface="Roboto Light" panose="02000000000000000000" pitchFamily="2" charset="0"/>
+                <a:cs typeface="Roboto Light" panose="02000000000000000000" pitchFamily="2" charset="0"/>
+              </a:endParaRPr>
+            </a:p>
+          </p:txBody>
+        </p:sp>
+        <p:pic>
+          <p:nvPicPr>
+            <p:cNvPr id="10" name="Picture 9"/>
+            <p:cNvPicPr>
+              <a:picLocks noChangeAspect="1"/>
+            </p:cNvPicPr>
+            <p:nvPr/>
+          </p:nvPicPr>
+          <p:blipFill>
+            <a:blip r:embed="rId2" cstate="print">
+              <a:extLst>
+                <a:ext uri="{28A0092B-C50C-407E-A947-70E740481C1C}">
+                  <a14:useLocalDpi xmlns:a14="http://schemas.microsoft.com/office/drawing/2010/main" val="0"/>
+                </a:ext>
+              </a:extLst>
+            </a:blip>
+            <a:stretch>
+              <a:fillRect/>
+            </a:stretch>
+          </p:blipFill>
+          <p:spPr>
+            <a:xfrm>
+              <a:off x="976312" y="1284918"/>
+              <a:ext cx="925816" cy="981439"/>
+            </a:xfrm>
+            <a:prstGeom prst="rect">
+              <a:avLst/>
+            </a:prstGeom>
+          </p:spPr>
+        </p:pic>
+        <p:sp>
+          <p:nvSpPr>
+            <p:cNvPr id="11" name="Subtitle 2"/>
+            <p:cNvSpPr txBox="1">
+              <a:spLocks/>
+            </p:cNvSpPr>
+            <p:nvPr/>
+          </p:nvSpPr>
+          <p:spPr>
+            <a:xfrm>
+              <a:off x="2544293" y="1905156"/>
+              <a:ext cx="6322695" cy="338554"/>
+            </a:xfrm>
+            <a:prstGeom prst="rect">
+              <a:avLst/>
+            </a:prstGeom>
+          </p:spPr>
+          <p:txBody>
+            <a:bodyPr wrap="square">
+              <a:spAutoFit/>
+            </a:bodyPr>
+            <a:lstStyle>
+              <a:lvl1pPr marL="0" indent="0" algn="l" defTabSz="914400" rtl="0" eaLnBrk="1" latinLnBrk="0" hangingPunct="1">
+                <a:spcBef>
+                  <a:spcPct val="20000"/>
+                </a:spcBef>
+                <a:buFont typeface="Arial" pitchFamily="34" charset="0"/>
+                <a:buNone/>
+                <a:defRPr sz="3200" kern="1200">
+                  <a:solidFill>
+                    <a:schemeClr val="tx1">
+                      <a:tint val="75000"/>
+                    </a:schemeClr>
+                  </a:solidFill>
+                  <a:latin typeface="+mj-lt"/>
+                  <a:ea typeface="+mn-ea"/>
+                  <a:cs typeface="+mn-cs"/>
+                </a:defRPr>
+              </a:lvl1pPr>
+              <a:lvl2pPr marL="457200" indent="0" algn="ctr" defTabSz="914400" rtl="0" eaLnBrk="1" latinLnBrk="0" hangingPunct="1">
+                <a:spcBef>
+                  <a:spcPct val="20000"/>
+                </a:spcBef>
+                <a:buFont typeface="Arial" pitchFamily="34" charset="0"/>
+                <a:buNone/>
+                <a:defRPr sz="2800" kern="1200">
+                  <a:solidFill>
+                    <a:schemeClr val="tx1">
+                      <a:tint val="75000"/>
+                    </a:schemeClr>
+                  </a:solidFill>
+                  <a:latin typeface="+mn-lt"/>
+                  <a:ea typeface="+mn-ea"/>
+                  <a:cs typeface="+mn-cs"/>
+                </a:defRPr>
+              </a:lvl2pPr>
+              <a:lvl3pPr marL="914400" indent="0" algn="ctr" defTabSz="914400" rtl="0" eaLnBrk="1" latinLnBrk="0" hangingPunct="1">
+                <a:spcBef>
+                  <a:spcPct val="20000"/>
+                </a:spcBef>
+                <a:buFont typeface="Arial" pitchFamily="34" charset="0"/>
+                <a:buNone/>
+                <a:defRPr sz="2400" kern="1200">
+                  <a:solidFill>
+                    <a:schemeClr val="tx1">
+                      <a:tint val="75000"/>
+                    </a:schemeClr>
+                  </a:solidFill>
+                  <a:latin typeface="+mn-lt"/>
+                  <a:ea typeface="+mn-ea"/>
+                  <a:cs typeface="+mn-cs"/>
+                </a:defRPr>
+              </a:lvl3pPr>
+              <a:lvl4pPr marL="1371600" indent="0" algn="ctr" defTabSz="914400" rtl="0" eaLnBrk="1" latinLnBrk="0" hangingPunct="1">
+                <a:spcBef>
+                  <a:spcPct val="20000"/>
+                </a:spcBef>
+                <a:buFont typeface="Arial" pitchFamily="34" charset="0"/>
+                <a:buNone/>
+                <a:defRPr sz="2000" kern="1200">
+                  <a:solidFill>
+                    <a:schemeClr val="tx1">
+                      <a:tint val="75000"/>
+                    </a:schemeClr>
+                  </a:solidFill>
+                  <a:latin typeface="+mn-lt"/>
+                  <a:ea typeface="+mn-ea"/>
+                  <a:cs typeface="+mn-cs"/>
+                </a:defRPr>
+              </a:lvl4pPr>
+              <a:lvl5pPr marL="1828800" indent="0" algn="ctr" defTabSz="914400" rtl="0" eaLnBrk="1" latinLnBrk="0" hangingPunct="1">
+                <a:spcBef>
+                  <a:spcPct val="20000"/>
+                </a:spcBef>
+                <a:buFont typeface="Arial" pitchFamily="34" charset="0"/>
+                <a:buNone/>
+                <a:defRPr sz="2000" kern="1200">
+                  <a:solidFill>
+                    <a:schemeClr val="tx1">
+                      <a:tint val="75000"/>
+                    </a:schemeClr>
+                  </a:solidFill>
+                  <a:latin typeface="+mn-lt"/>
+                  <a:ea typeface="+mn-ea"/>
+                  <a:cs typeface="+mn-cs"/>
+                </a:defRPr>
+              </a:lvl5pPr>
+              <a:lvl6pPr marL="2286000" indent="0" algn="ctr" defTabSz="914400" rtl="0" eaLnBrk="1" latinLnBrk="0" hangingPunct="1">
+                <a:spcBef>
+                  <a:spcPct val="20000"/>
+                </a:spcBef>
+                <a:buFont typeface="Arial" pitchFamily="34" charset="0"/>
+                <a:buNone/>
+                <a:defRPr sz="2000" kern="1200">
+                  <a:solidFill>
+                    <a:schemeClr val="tx1">
+                      <a:tint val="75000"/>
+                    </a:schemeClr>
+                  </a:solidFill>
+                  <a:latin typeface="+mn-lt"/>
+                  <a:ea typeface="+mn-ea"/>
+                  <a:cs typeface="+mn-cs"/>
+                </a:defRPr>
+              </a:lvl6pPr>
+              <a:lvl7pPr marL="2743200" indent="0" algn="ctr" defTabSz="914400" rtl="0" eaLnBrk="1" latinLnBrk="0" hangingPunct="1">
+                <a:spcBef>
+                  <a:spcPct val="20000"/>
+                </a:spcBef>
+                <a:buFont typeface="Arial" pitchFamily="34" charset="0"/>
+                <a:buNone/>
+                <a:defRPr sz="2000" kern="1200">
+                  <a:solidFill>
+                    <a:schemeClr val="tx1">
+                      <a:tint val="75000"/>
+                    </a:schemeClr>
+                  </a:solidFill>
+                  <a:latin typeface="+mn-lt"/>
+                  <a:ea typeface="+mn-ea"/>
+                  <a:cs typeface="+mn-cs"/>
+                </a:defRPr>
+              </a:lvl7pPr>
+              <a:lvl8pPr marL="3200400" indent="0" algn="ctr" defTabSz="914400" rtl="0" eaLnBrk="1" latinLnBrk="0" hangingPunct="1">
+                <a:spcBef>
+                  <a:spcPct val="20000"/>
+                </a:spcBef>
+                <a:buFont typeface="Arial" pitchFamily="34" charset="0"/>
+                <a:buNone/>
+                <a:defRPr sz="2000" kern="1200">
+                  <a:solidFill>
+                    <a:schemeClr val="tx1">
+                      <a:tint val="75000"/>
+                    </a:schemeClr>
+                  </a:solidFill>
+                  <a:latin typeface="+mn-lt"/>
+                  <a:ea typeface="+mn-ea"/>
+                  <a:cs typeface="+mn-cs"/>
+                </a:defRPr>
+              </a:lvl8pPr>
+              <a:lvl9pPr marL="3657600" indent="0" algn="ctr" defTabSz="914400" rtl="0" eaLnBrk="1" latinLnBrk="0" hangingPunct="1">
+                <a:spcBef>
+                  <a:spcPct val="20000"/>
+                </a:spcBef>
+                <a:buFont typeface="Arial" pitchFamily="34" charset="0"/>
+                <a:buNone/>
+                <a:defRPr sz="2000" kern="1200">
+                  <a:solidFill>
+                    <a:schemeClr val="tx1">
+                      <a:tint val="75000"/>
+                    </a:schemeClr>
+                  </a:solidFill>
+                  <a:latin typeface="+mn-lt"/>
+                  <a:ea typeface="+mn-ea"/>
+                  <a:cs typeface="+mn-cs"/>
+                </a:defRPr>
+              </a:lvl9pPr>
+            </a:lstStyle>
+            <a:p>
+              <a:r>
+                <a:rPr lang="en-US" sz="1600" dirty="0">
+                  <a:solidFill>
+                    <a:schemeClr val="tx1"/>
+                  </a:solidFill>
+                  <a:latin typeface="Calibri" panose="020F0502020204030204" pitchFamily="34" charset="0"/>
+                  <a:ea typeface="Roboto Light" panose="02000000000000000000" pitchFamily="2" charset="0"/>
+                  <a:cs typeface="Roboto Light" panose="02000000000000000000" pitchFamily="2" charset="0"/>
+                </a:rPr>
+                <a:t>by Google</a:t>
+              </a:r>
+            </a:p>
+          </p:txBody>
+        </p:sp>
+      </p:grpSp>
     </p:spTree>
     <p:extLst>
       <p:ext uri="{BB962C8B-B14F-4D97-AF65-F5344CB8AC3E}">
-        <p14:creationId xmlns:p14="http://schemas.microsoft.com/office/powerpoint/2010/main" xmlns="" val="3436223543"/>
+        <p14:creationId xmlns:p14="http://schemas.microsoft.com/office/powerpoint/2010/main" val="3436223543"/>
       </p:ext>
     </p:extLst>
   </p:cSld>
@@ -2128,7 +2336,7 @@
           <a:lstStyle/>
           <a:p>
             <a:r>
-              <a:rPr lang="en-US" dirty="0" smtClean="0">
+              <a:rPr lang="en-US" dirty="0">
                 <a:latin typeface="Calibri" pitchFamily="34" charset="0"/>
               </a:rPr>
               <a:t>Require</a:t>
@@ -2151,8 +2359,8 @@
         </p:nvSpPr>
         <p:spPr>
           <a:xfrm>
-            <a:off x="467544" y="1124744"/>
-            <a:ext cx="8136904" cy="2946400"/>
+            <a:off x="503548" y="1340768"/>
+            <a:ext cx="8136904" cy="5184576"/>
           </a:xfrm>
         </p:spPr>
         <p:txBody>
@@ -2160,130 +2368,90 @@
           <a:lstStyle/>
           <a:p>
             <a:r>
-              <a:rPr lang="ru-RU" sz="2000" dirty="0" smtClean="0">
+              <a:rPr lang="ru-RU" sz="1800" dirty="0">
                 <a:latin typeface="Calibri" pitchFamily="34" charset="0"/>
               </a:rPr>
               <a:t>Свойство </a:t>
             </a:r>
             <a:r>
-              <a:rPr lang="en-US" sz="2000" b="1" dirty="0" smtClean="0">
+              <a:rPr lang="en-US" sz="1800" b="1" dirty="0">
                 <a:latin typeface="Calibri" pitchFamily="34" charset="0"/>
               </a:rPr>
               <a:t>require</a:t>
             </a:r>
             <a:r>
-              <a:rPr lang="en-US" sz="2000" dirty="0" smtClean="0">
+              <a:rPr lang="en-US" sz="1800" dirty="0">
                 <a:latin typeface="Calibri" pitchFamily="34" charset="0"/>
               </a:rPr>
               <a:t> Directive Definition Object </a:t>
             </a:r>
             <a:r>
-              <a:rPr lang="ru-RU" sz="2000" dirty="0" smtClean="0">
+              <a:rPr lang="ru-RU" sz="1800" dirty="0">
                 <a:latin typeface="Calibri" pitchFamily="34" charset="0"/>
               </a:rPr>
               <a:t>предоставляет возможность использования одного контроллера для разных директив</a:t>
             </a:r>
-            <a:endParaRPr lang="en-US" sz="2000" dirty="0" smtClean="0">
+            <a:endParaRPr lang="en-US" sz="1800" dirty="0">
               <a:latin typeface="Calibri" pitchFamily="34" charset="0"/>
             </a:endParaRPr>
           </a:p>
           <a:p>
             <a:r>
-              <a:rPr lang="ru-RU" sz="2000" dirty="0" smtClean="0">
-                <a:latin typeface="Calibri" pitchFamily="34" charset="0"/>
-              </a:rPr>
-              <a:t>Другая </a:t>
-            </a:r>
-            <a:r>
-              <a:rPr lang="ru-RU" sz="2000" dirty="0" smtClean="0">
-                <a:latin typeface="Calibri" pitchFamily="34" charset="0"/>
-              </a:rPr>
-              <a:t>директива и инжектируется в </a:t>
-            </a:r>
-            <a:r>
-              <a:rPr lang="ru-RU" sz="2000" dirty="0" err="1" smtClean="0">
-                <a:latin typeface="Calibri" pitchFamily="34" charset="0"/>
-              </a:rPr>
-              <a:t>контроллер,как</a:t>
-            </a:r>
-            <a:r>
-              <a:rPr lang="ru-RU" sz="2000" dirty="0" smtClean="0">
-                <a:latin typeface="Calibri" pitchFamily="34" charset="0"/>
-              </a:rPr>
-              <a:t> четвертый аргумент в связывающую функцию. </a:t>
-            </a:r>
-            <a:endParaRPr lang="en-US" sz="2000" dirty="0" smtClean="0">
+              <a:rPr lang="ru-RU" sz="1800" dirty="0">
+                <a:latin typeface="Calibri" pitchFamily="34" charset="0"/>
+              </a:rPr>
+              <a:t>Другая директива инжектируется в контроллер, как четвертый аргумент. </a:t>
+            </a:r>
+            <a:endParaRPr lang="en-US" sz="1800" dirty="0">
               <a:latin typeface="Calibri" pitchFamily="34" charset="0"/>
             </a:endParaRPr>
           </a:p>
           <a:p>
             <a:r>
-              <a:rPr lang="ru-RU" sz="2000" dirty="0" smtClean="0">
-                <a:latin typeface="Calibri" pitchFamily="34" charset="0"/>
-              </a:rPr>
-              <a:t>Если </a:t>
-            </a:r>
-            <a:r>
-              <a:rPr lang="ru-RU" sz="2000" dirty="0" smtClean="0">
-                <a:latin typeface="Calibri" pitchFamily="34" charset="0"/>
-              </a:rPr>
-              <a:t>директива не будет найдена или у директивы не будет контроллера, возникнет </a:t>
-            </a:r>
-            <a:r>
-              <a:rPr lang="ru-RU" sz="2000" err="1" smtClean="0">
-                <a:latin typeface="Calibri" pitchFamily="34" charset="0"/>
-              </a:rPr>
-              <a:t>ошибка</a:t>
-            </a:r>
-            <a:r>
-              <a:rPr lang="ru-RU" sz="2000" smtClean="0">
-                <a:latin typeface="Calibri" pitchFamily="34" charset="0"/>
-              </a:rPr>
-              <a:t>. Имена </a:t>
-            </a:r>
-            <a:r>
-              <a:rPr lang="ru-RU" sz="2000" dirty="0" smtClean="0">
-                <a:latin typeface="Calibri" pitchFamily="34" charset="0"/>
-              </a:rPr>
-              <a:t>могут быть со следующими приставками</a:t>
-            </a:r>
-            <a:r>
-              <a:rPr lang="ru-RU" sz="2000" dirty="0" smtClean="0">
-                <a:latin typeface="Calibri" pitchFamily="34" charset="0"/>
-              </a:rPr>
-              <a:t>: </a:t>
-            </a:r>
-          </a:p>
-          <a:p>
-            <a:endParaRPr lang="ru-RU" sz="2000" dirty="0" smtClean="0">
+              <a:rPr lang="ru-RU" sz="1800" dirty="0">
+                <a:latin typeface="Calibri" pitchFamily="34" charset="0"/>
+              </a:rPr>
+              <a:t>Если директива не будет найдена или у директивы не будет контроллера, возникнет ошибка. </a:t>
+            </a:r>
+          </a:p>
+          <a:p>
+            <a:r>
+              <a:rPr lang="ru-RU" sz="1800" dirty="0">
+                <a:latin typeface="Calibri" pitchFamily="34" charset="0"/>
+              </a:rPr>
+              <a:t>Имена могут быть со следующими приставками: </a:t>
+            </a:r>
+          </a:p>
+          <a:p>
+            <a:endParaRPr lang="ru-RU" sz="1800" dirty="0">
               <a:latin typeface="Calibri" pitchFamily="34" charset="0"/>
             </a:endParaRPr>
           </a:p>
           <a:p>
             <a:pPr lvl="1"/>
             <a:r>
-              <a:rPr lang="ru-RU" sz="2000" dirty="0" smtClean="0">
-                <a:latin typeface="Calibri" pitchFamily="34" charset="0"/>
-              </a:rPr>
-              <a:t>(без приставки) – Контроллер базируется на текущем элементе.</a:t>
+              <a:rPr lang="ru-RU" sz="1800" dirty="0">
+                <a:latin typeface="Calibri" pitchFamily="34" charset="0"/>
+              </a:rPr>
+              <a:t>(без приставки) – контроллер базируется на текущем элементе.</a:t>
             </a:r>
           </a:p>
           <a:p>
             <a:pPr lvl="1"/>
             <a:r>
-              <a:rPr lang="ru-RU" sz="2000" dirty="0" smtClean="0">
-                <a:latin typeface="Calibri" pitchFamily="34" charset="0"/>
-              </a:rPr>
-              <a:t>? - Попытка найти нужный контроллер, или возвращаем </a:t>
-            </a:r>
-            <a:r>
-              <a:rPr lang="ru-RU" sz="2000" dirty="0" err="1" smtClean="0">
+              <a:rPr lang="ru-RU" sz="1800" dirty="0">
+                <a:latin typeface="Calibri" pitchFamily="34" charset="0"/>
+              </a:rPr>
+              <a:t>? - попытка найти нужный контроллер, или возвращаем </a:t>
+            </a:r>
+            <a:r>
+              <a:rPr lang="ru-RU" sz="1800" dirty="0" err="1">
                 <a:latin typeface="Calibri" pitchFamily="34" charset="0"/>
               </a:rPr>
               <a:t>null</a:t>
             </a:r>
             <a:r>
-              <a:rPr lang="ru-RU" sz="2000" dirty="0" smtClean="0">
+              <a:rPr lang="ru-RU" sz="1800" dirty="0">
                 <a:latin typeface="Calibri" pitchFamily="34" charset="0"/>
               </a:rPr>
               <a:t>.</a:t>
@@ -2292,35 +2460,35 @@
           <a:p>
             <a:pPr lvl="1"/>
             <a:r>
-              <a:rPr lang="ru-RU" sz="2000" dirty="0" smtClean="0">
-                <a:latin typeface="Calibri" pitchFamily="34" charset="0"/>
-              </a:rPr>
-              <a:t>^ - Ищем нужный контроллер в родительских элементах.</a:t>
+              <a:rPr lang="ru-RU" sz="1800" dirty="0">
+                <a:latin typeface="Calibri" pitchFamily="34" charset="0"/>
+              </a:rPr>
+              <a:t>^ - ищем нужный контроллер в родительских элементах.</a:t>
             </a:r>
           </a:p>
           <a:p>
             <a:pPr lvl="1"/>
             <a:r>
-              <a:rPr lang="ru-RU" sz="2000" dirty="0" smtClean="0">
-                <a:latin typeface="Calibri" pitchFamily="34" charset="0"/>
-              </a:rPr>
-              <a:t>?^ - Попытка поиска требуемого контроллера в родительских элементах, или возвращаем </a:t>
-            </a:r>
-            <a:r>
-              <a:rPr lang="ru-RU" sz="2000" dirty="0" err="1" smtClean="0">
+              <a:rPr lang="ru-RU" sz="1800" dirty="0">
+                <a:latin typeface="Calibri" pitchFamily="34" charset="0"/>
+              </a:rPr>
+              <a:t>?^ - попытка поиска требуемого контроллера в родительских элементах, или возвращаем </a:t>
+            </a:r>
+            <a:r>
+              <a:rPr lang="ru-RU" sz="1800" dirty="0" err="1">
                 <a:latin typeface="Calibri" pitchFamily="34" charset="0"/>
               </a:rPr>
               <a:t>null</a:t>
             </a:r>
             <a:r>
-              <a:rPr lang="ru-RU" sz="2000" dirty="0" smtClean="0">
+              <a:rPr lang="ru-RU" sz="1800" dirty="0">
                 <a:latin typeface="Calibri" pitchFamily="34" charset="0"/>
               </a:rPr>
               <a:t>.</a:t>
             </a:r>
           </a:p>
           <a:p>
-            <a:endParaRPr lang="uk-UA" sz="2000" dirty="0">
+            <a:endParaRPr lang="uk-UA" sz="1800" dirty="0">
               <a:latin typeface="Calibri" pitchFamily="34" charset="0"/>
             </a:endParaRPr>
           </a:p>
@@ -2367,7 +2535,7 @@
           <a:lstStyle/>
           <a:p>
             <a:r>
-              <a:rPr lang="ru-RU" dirty="0" smtClean="0">
+              <a:rPr lang="ru-RU" dirty="0">
                 <a:latin typeface="Calibri" pitchFamily="34" charset="0"/>
               </a:rPr>
               <a:t>Приоритет директив</a:t>
@@ -2390,8 +2558,8 @@
         </p:nvSpPr>
         <p:spPr>
           <a:xfrm>
-            <a:off x="755576" y="1412776"/>
-            <a:ext cx="7848872" cy="2946400"/>
+            <a:off x="647564" y="1412776"/>
+            <a:ext cx="7848872" cy="5112568"/>
           </a:xfrm>
         </p:spPr>
         <p:txBody>
@@ -2399,82 +2567,81 @@
           <a:lstStyle/>
           <a:p>
             <a:r>
-              <a:rPr lang="ru-RU" sz="2400" dirty="0" smtClean="0">
-                <a:latin typeface="Calibri" pitchFamily="34" charset="0"/>
-              </a:rPr>
-              <a:t>Если для одного DOM объекта определено несколько директив, то иногда необходимо указать порядок их применения</a:t>
-            </a:r>
-            <a:r>
-              <a:rPr lang="ru-RU" sz="2400" dirty="0" smtClean="0">
-                <a:latin typeface="Calibri" pitchFamily="34" charset="0"/>
-              </a:rPr>
-              <a:t>.</a:t>
-            </a:r>
-          </a:p>
-          <a:p>
-            <a:r>
-              <a:rPr lang="ru-RU" sz="2400" dirty="0" smtClean="0">
-                <a:latin typeface="Calibri" pitchFamily="34" charset="0"/>
-              </a:rPr>
-              <a:t> </a:t>
-            </a:r>
-            <a:r>
-              <a:rPr lang="ru-RU" sz="2400" dirty="0" smtClean="0">
-                <a:latin typeface="Calibri" pitchFamily="34" charset="0"/>
-              </a:rPr>
-              <a:t>Указание </a:t>
-            </a:r>
-            <a:r>
-              <a:rPr lang="ru-RU" sz="2400" dirty="0" err="1" smtClean="0">
+              <a:rPr lang="ru-RU" sz="1800" dirty="0">
+                <a:latin typeface="Calibri" pitchFamily="34" charset="0"/>
+              </a:rPr>
+              <a:t>Если для одного DOM объекта определено несколько директив, то иногда необходимо указать порядок их применения.</a:t>
+            </a:r>
+          </a:p>
+          <a:p>
+            <a:endParaRPr lang="ru-RU" sz="1800" dirty="0">
+              <a:latin typeface="Calibri" pitchFamily="34" charset="0"/>
+            </a:endParaRPr>
+          </a:p>
+          <a:p>
+            <a:r>
+              <a:rPr lang="ru-RU" sz="1800" dirty="0">
+                <a:latin typeface="Calibri" pitchFamily="34" charset="0"/>
+              </a:rPr>
+              <a:t> Указание </a:t>
+            </a:r>
+            <a:r>
+              <a:rPr lang="ru-RU" sz="1800" dirty="0" err="1">
                 <a:latin typeface="Calibri" pitchFamily="34" charset="0"/>
               </a:rPr>
               <a:t>Priority</a:t>
             </a:r>
             <a:r>
-              <a:rPr lang="ru-RU" sz="2400" dirty="0" smtClean="0">
-                <a:latin typeface="Calibri" pitchFamily="34" charset="0"/>
-              </a:rPr>
-              <a:t> используется для сортировки директив прежде чем, их вызовут функции компиляции</a:t>
-            </a:r>
-            <a:r>
-              <a:rPr lang="ru-RU" sz="2400" dirty="0" smtClean="0">
-                <a:latin typeface="Calibri" pitchFamily="34" charset="0"/>
-              </a:rPr>
-              <a:t>.</a:t>
-            </a:r>
-          </a:p>
-          <a:p>
-            <a:r>
-              <a:rPr lang="ru-RU" sz="2400" dirty="0" smtClean="0">
-                <a:latin typeface="Calibri" pitchFamily="34" charset="0"/>
-              </a:rPr>
-              <a:t> </a:t>
-            </a:r>
-            <a:r>
-              <a:rPr lang="ru-RU" sz="2400" dirty="0" err="1" smtClean="0">
+              <a:rPr lang="ru-RU" sz="1800" dirty="0">
+                <a:latin typeface="Calibri" pitchFamily="34" charset="0"/>
+              </a:rPr>
+              <a:t> используется для сортировки директив прежде чем, их вызовут функции компиляции.</a:t>
+            </a:r>
+          </a:p>
+          <a:p>
+            <a:endParaRPr lang="ru-RU" sz="1800" dirty="0">
+              <a:latin typeface="Calibri" pitchFamily="34" charset="0"/>
+            </a:endParaRPr>
+          </a:p>
+          <a:p>
+            <a:r>
+              <a:rPr lang="ru-RU" sz="1800" dirty="0" err="1">
                 <a:latin typeface="Calibri" pitchFamily="34" charset="0"/>
               </a:rPr>
               <a:t>Priority</a:t>
             </a:r>
             <a:r>
-              <a:rPr lang="ru-RU" sz="2400" dirty="0" smtClean="0">
-                <a:latin typeface="Calibri" pitchFamily="34" charset="0"/>
-              </a:rPr>
-              <a:t> инициализируется числом. Директивы с большим номером компилируются в первую очередь. Порядок директив с одинаковыми значениями </a:t>
-            </a:r>
-            <a:r>
-              <a:rPr lang="ru-RU" sz="2400" dirty="0" err="1" smtClean="0">
+              <a:rPr lang="ru-RU" sz="1800" dirty="0">
+                <a:latin typeface="Calibri" pitchFamily="34" charset="0"/>
+              </a:rPr>
+              <a:t> инициализируется числом. Директивы с большим номером компилируются в первую очередь. </a:t>
+            </a:r>
+          </a:p>
+          <a:p>
+            <a:endParaRPr lang="ru-RU" sz="1800" dirty="0">
+              <a:latin typeface="Calibri" pitchFamily="34" charset="0"/>
+            </a:endParaRPr>
+          </a:p>
+          <a:p>
+            <a:r>
+              <a:rPr lang="ru-RU" sz="1800" dirty="0">
+                <a:latin typeface="Calibri" pitchFamily="34" charset="0"/>
+              </a:rPr>
+              <a:t>Порядок директив с одинаковыми значениями </a:t>
+            </a:r>
+            <a:r>
+              <a:rPr lang="ru-RU" sz="1800" dirty="0" err="1">
                 <a:latin typeface="Calibri" pitchFamily="34" charset="0"/>
               </a:rPr>
               <a:t>Priority</a:t>
             </a:r>
             <a:r>
-              <a:rPr lang="ru-RU" sz="2400" dirty="0" smtClean="0">
+              <a:rPr lang="ru-RU" sz="1800" dirty="0">
                 <a:latin typeface="Calibri" pitchFamily="34" charset="0"/>
               </a:rPr>
               <a:t> не определен. Значение по умолчанию ноль.</a:t>
             </a:r>
-            <a:endParaRPr lang="uk-UA" sz="2400" dirty="0">
+            <a:endParaRPr lang="uk-UA" sz="1800" dirty="0">
               <a:latin typeface="Calibri" pitchFamily="34" charset="0"/>
             </a:endParaRPr>
           </a:p>
@@ -2521,7 +2688,7 @@
           <a:lstStyle/>
           <a:p>
             <a:r>
-              <a:rPr lang="en-US" dirty="0" smtClean="0"/>
+              <a:rPr lang="en-US" dirty="0"/>
               <a:t>Compile</a:t>
             </a:r>
             <a:endParaRPr lang="uk-UA" dirty="0"/>
@@ -2540,8 +2707,8 @@
         </p:nvSpPr>
         <p:spPr>
           <a:xfrm>
-            <a:off x="251520" y="1340768"/>
-            <a:ext cx="7920880" cy="3612232"/>
+            <a:off x="611560" y="1400944"/>
+            <a:ext cx="7920880" cy="4764360"/>
           </a:xfrm>
         </p:spPr>
         <p:txBody>
@@ -2550,98 +2717,95 @@
           <a:p>
             <a:pPr fontAlgn="base"/>
             <a:r>
-              <a:rPr lang="ru-RU" sz="2000" dirty="0" smtClean="0">
-                <a:latin typeface="Calibri" pitchFamily="34" charset="0"/>
-              </a:rPr>
-              <a:t>Когда директива выполняется для конкретного DOM элемента, ее работа состоит из 3-х </a:t>
-            </a:r>
-            <a:r>
-              <a:rPr lang="ru-RU" sz="2000" dirty="0" smtClean="0">
-                <a:latin typeface="Calibri" pitchFamily="34" charset="0"/>
-              </a:rPr>
-              <a:t>фаз:</a:t>
-            </a:r>
-            <a:endParaRPr lang="ru-RU" sz="2000" dirty="0" smtClean="0">
+              <a:rPr lang="ru-RU" sz="1800" dirty="0">
+                <a:latin typeface="Calibri" pitchFamily="34" charset="0"/>
+              </a:rPr>
+              <a:t>Когда директива выполняется для конкретного DOM элемента, ее работа состоит из 3-х фаз:</a:t>
+            </a:r>
+          </a:p>
+          <a:p>
+            <a:pPr fontAlgn="base"/>
+            <a:endParaRPr lang="ru-RU" sz="1800" b="1" dirty="0">
               <a:latin typeface="Calibri" pitchFamily="34" charset="0"/>
             </a:endParaRPr>
           </a:p>
           <a:p>
             <a:pPr fontAlgn="base"/>
-            <a:endParaRPr lang="ru-RU" sz="2000" b="1" dirty="0" smtClean="0">
+            <a:r>
+              <a:rPr lang="ru-RU" sz="1800" b="1" dirty="0" err="1">
+                <a:latin typeface="Calibri" pitchFamily="34" charset="0"/>
+              </a:rPr>
+              <a:t>compile</a:t>
+            </a:r>
+            <a:r>
+              <a:rPr lang="ru-RU" sz="1800" dirty="0">
+                <a:latin typeface="Calibri" pitchFamily="34" charset="0"/>
+              </a:rPr>
+              <a:t>: фаза, во время которой можно производить трансформацию </a:t>
+            </a:r>
+            <a:r>
+              <a:rPr lang="ru-RU" sz="1800" b="1" dirty="0">
+                <a:latin typeface="Calibri" pitchFamily="34" charset="0"/>
+              </a:rPr>
+              <a:t>шаблонной</a:t>
+            </a:r>
+            <a:r>
+              <a:rPr lang="en-US" sz="1800" b="1" dirty="0">
+                <a:latin typeface="Calibri" pitchFamily="34" charset="0"/>
+              </a:rPr>
+              <a:t> </a:t>
+            </a:r>
+            <a:r>
+              <a:rPr lang="ru-RU" sz="1800" dirty="0">
+                <a:latin typeface="Calibri" pitchFamily="34" charset="0"/>
+              </a:rPr>
+              <a:t>DOM-структуры элемента, к которому применяется директива. </a:t>
+            </a:r>
+          </a:p>
+          <a:p>
+            <a:pPr fontAlgn="base"/>
+            <a:endParaRPr lang="ru-RU" sz="1800" dirty="0">
               <a:latin typeface="Calibri" pitchFamily="34" charset="0"/>
             </a:endParaRPr>
           </a:p>
           <a:p>
             <a:pPr fontAlgn="base"/>
             <a:r>
-              <a:rPr lang="ru-RU" sz="2000" b="1" dirty="0" err="1" smtClean="0">
-                <a:latin typeface="Calibri" pitchFamily="34" charset="0"/>
-              </a:rPr>
-              <a:t>compile</a:t>
-            </a:r>
-            <a:r>
-              <a:rPr lang="ru-RU" sz="2000" dirty="0" smtClean="0">
-                <a:latin typeface="Calibri" pitchFamily="34" charset="0"/>
-              </a:rPr>
-              <a:t>: фаза, во время которой можно производить трансформацию </a:t>
-            </a:r>
-            <a:r>
-              <a:rPr lang="ru-RU" sz="2000" b="1" dirty="0" smtClean="0">
-                <a:latin typeface="Calibri" pitchFamily="34" charset="0"/>
-              </a:rPr>
-              <a:t>шаблонной</a:t>
-            </a:r>
-            <a:r>
-              <a:rPr lang="en-US" sz="2000" b="1" dirty="0" smtClean="0">
-                <a:latin typeface="Calibri" pitchFamily="34" charset="0"/>
-              </a:rPr>
-              <a:t> </a:t>
-            </a:r>
-            <a:r>
-              <a:rPr lang="ru-RU" sz="2000" dirty="0" smtClean="0">
-                <a:latin typeface="Calibri" pitchFamily="34" charset="0"/>
-              </a:rPr>
-              <a:t>DOM-структуры </a:t>
-            </a:r>
-            <a:r>
-              <a:rPr lang="ru-RU" sz="2000" dirty="0" smtClean="0">
-                <a:latin typeface="Calibri" pitchFamily="34" charset="0"/>
-              </a:rPr>
-              <a:t>элемента, к которому применяется директива. </a:t>
+              <a:rPr lang="ru-RU" sz="1800" b="1" dirty="0" err="1">
+                <a:latin typeface="Calibri" pitchFamily="34" charset="0"/>
+              </a:rPr>
+              <a:t>preLink</a:t>
+            </a:r>
+            <a:r>
+              <a:rPr lang="ru-RU" sz="1800" dirty="0">
+                <a:latin typeface="Calibri" pitchFamily="34" charset="0"/>
+              </a:rPr>
+              <a:t>: фаза, выполняемая перед связыванием всех дочерних элементов. Здесь не рекомендуется проводить какие-либо трансформации DOM;</a:t>
             </a:r>
           </a:p>
           <a:p>
             <a:pPr fontAlgn="base"/>
-            <a:r>
-              <a:rPr lang="ru-RU" sz="2000" b="1" dirty="0" err="1" smtClean="0">
-                <a:latin typeface="Calibri" pitchFamily="34" charset="0"/>
-              </a:rPr>
-              <a:t>preLink</a:t>
-            </a:r>
-            <a:r>
-              <a:rPr lang="ru-RU" sz="2000" dirty="0" smtClean="0">
-                <a:latin typeface="Calibri" pitchFamily="34" charset="0"/>
-              </a:rPr>
-              <a:t>: фаза, выполняемая перед связыванием всех дочерних элементов. Здесь не рекомендуется проводить какие-либо трансформации DOM;</a:t>
-            </a:r>
+            <a:endParaRPr lang="ru-RU" sz="1800" dirty="0">
+              <a:latin typeface="Calibri" pitchFamily="34" charset="0"/>
+            </a:endParaRPr>
           </a:p>
           <a:p>
             <a:pPr fontAlgn="base"/>
             <a:r>
-              <a:rPr lang="ru-RU" sz="2000" b="1" dirty="0" err="1" smtClean="0">
+              <a:rPr lang="ru-RU" sz="1800" b="1" dirty="0" err="1">
                 <a:latin typeface="Calibri" pitchFamily="34" charset="0"/>
               </a:rPr>
               <a:t>postLink</a:t>
             </a:r>
             <a:r>
-              <a:rPr lang="ru-RU" sz="2000" dirty="0" smtClean="0">
+              <a:rPr lang="ru-RU" sz="1800" dirty="0">
                 <a:latin typeface="Calibri" pitchFamily="34" charset="0"/>
               </a:rPr>
               <a:t>: фаза, выполняемая после связывания всех дочерних элементов. Наиболее часто используемая фаза. Здесь рекомендуется выполнять все необходимые DOM трансформации, навешивать обработчики событий и т.п.</a:t>
             </a:r>
           </a:p>
           <a:p>
-            <a:endParaRPr lang="uk-UA" sz="2000" dirty="0">
+            <a:endParaRPr lang="uk-UA" sz="1800" dirty="0">
               <a:latin typeface="Calibri" pitchFamily="34" charset="0"/>
             </a:endParaRPr>
           </a:p>
@@ -2688,7 +2852,7 @@
           <a:lstStyle/>
           <a:p>
             <a:r>
-              <a:rPr lang="en-US" dirty="0" err="1" smtClean="0"/>
+              <a:rPr lang="en-US" dirty="0" err="1"/>
               <a:t>Transclusion</a:t>
             </a:r>
             <a:endParaRPr lang="uk-UA" dirty="0"/>
@@ -2707,7 +2871,7 @@
         </p:nvSpPr>
         <p:spPr>
           <a:xfrm>
-            <a:off x="539552" y="1844824"/>
+            <a:off x="755576" y="1412776"/>
             <a:ext cx="7632848" cy="3168352"/>
           </a:xfrm>
         </p:spPr>
@@ -2716,85 +2880,92 @@
           <a:lstStyle/>
           <a:p>
             <a:r>
-              <a:rPr lang="ru-RU" sz="2400" dirty="0" smtClean="0">
+              <a:rPr lang="ru-RU" sz="1800" dirty="0">
                 <a:latin typeface="Calibri" pitchFamily="34" charset="0"/>
               </a:rPr>
               <a:t>Управляется свойством </a:t>
             </a:r>
             <a:r>
-              <a:rPr lang="en-US" sz="2400" dirty="0" err="1" smtClean="0">
+              <a:rPr lang="en-US" sz="1800" b="1" dirty="0" err="1">
                 <a:latin typeface="Calibri" pitchFamily="34" charset="0"/>
               </a:rPr>
               <a:t>transclude</a:t>
             </a:r>
             <a:r>
-              <a:rPr lang="en-US" sz="2400" dirty="0" smtClean="0">
+              <a:rPr lang="en-US" sz="1800" dirty="0">
                 <a:latin typeface="Calibri" pitchFamily="34" charset="0"/>
               </a:rPr>
               <a:t> Directive Definition Object </a:t>
             </a:r>
-          </a:p>
-          <a:p>
-            <a:r>
-              <a:rPr lang="ru-RU" sz="2400" dirty="0" smtClean="0">
-                <a:latin typeface="Calibri" pitchFamily="34" charset="0"/>
-              </a:rPr>
-              <a:t>компилирует </a:t>
-            </a:r>
-            <a:r>
-              <a:rPr lang="ru-RU" sz="2400" dirty="0" smtClean="0">
-                <a:latin typeface="Calibri" pitchFamily="34" charset="0"/>
-              </a:rPr>
-              <a:t>содержимое элемента, и результат делает доступным директиве. Обычно используется с встроенной директивой </a:t>
-            </a:r>
-            <a:r>
-              <a:rPr lang="ru-RU" sz="2400" dirty="0" err="1" smtClean="0">
-                <a:latin typeface="Calibri" pitchFamily="34" charset="0"/>
-              </a:rPr>
-              <a:t>ngTransclude</a:t>
-            </a:r>
-            <a:r>
-              <a:rPr lang="ru-RU" sz="2400" dirty="0" smtClean="0">
-                <a:latin typeface="Calibri" pitchFamily="34" charset="0"/>
-              </a:rPr>
-              <a:t>. </a:t>
-            </a:r>
-            <a:endParaRPr lang="en-US" sz="2400" dirty="0" smtClean="0">
+            <a:endParaRPr lang="uk-UA" sz="1800" dirty="0">
               <a:latin typeface="Calibri" pitchFamily="34" charset="0"/>
             </a:endParaRPr>
           </a:p>
           <a:p>
-            <a:r>
-              <a:rPr lang="ru-RU" sz="2400" dirty="0" smtClean="0">
+            <a:endParaRPr lang="en-US" sz="1800" dirty="0">
+              <a:latin typeface="Calibri" pitchFamily="34" charset="0"/>
+            </a:endParaRPr>
+          </a:p>
+          <a:p>
+            <a:r>
+              <a:rPr lang="ru-RU" sz="1800" dirty="0">
+                <a:latin typeface="Calibri" pitchFamily="34" charset="0"/>
+              </a:rPr>
+              <a:t>компилирует содержимое элемента, и результат делает доступным директиве. Обычно используется с встроенной директивой </a:t>
+            </a:r>
+            <a:r>
+              <a:rPr lang="ru-RU" sz="1800" dirty="0" err="1">
+                <a:latin typeface="Calibri" pitchFamily="34" charset="0"/>
+              </a:rPr>
+              <a:t>ngTransclude</a:t>
+            </a:r>
+            <a:r>
+              <a:rPr lang="ru-RU" sz="1800" dirty="0">
+                <a:latin typeface="Calibri" pitchFamily="34" charset="0"/>
+              </a:rPr>
+              <a:t>. </a:t>
+            </a:r>
+            <a:br>
+              <a:rPr lang="ru-RU" sz="1800" dirty="0">
+                <a:latin typeface="Calibri" pitchFamily="34" charset="0"/>
+              </a:rPr>
+            </a:br>
+            <a:endParaRPr lang="en-US" sz="1800" dirty="0">
+              <a:latin typeface="Calibri" pitchFamily="34" charset="0"/>
+            </a:endParaRPr>
+          </a:p>
+          <a:p>
+            <a:r>
+              <a:rPr lang="ru-RU" sz="1800" dirty="0">
                 <a:latin typeface="Calibri" pitchFamily="34" charset="0"/>
               </a:rPr>
               <a:t>Преимущество </a:t>
             </a:r>
             <a:r>
-              <a:rPr lang="ru-RU" sz="2400" dirty="0" err="1" smtClean="0">
+              <a:rPr lang="ru-RU" sz="1800" dirty="0" err="1">
                 <a:latin typeface="Calibri" pitchFamily="34" charset="0"/>
               </a:rPr>
               <a:t>трансклюзии</a:t>
             </a:r>
             <a:r>
-              <a:rPr lang="ru-RU" sz="2400" dirty="0" smtClean="0">
+              <a:rPr lang="ru-RU" sz="1800" dirty="0">
                 <a:latin typeface="Calibri" pitchFamily="34" charset="0"/>
               </a:rPr>
               <a:t> заключается, в том, что связующая функция получает </a:t>
             </a:r>
             <a:r>
-              <a:rPr lang="ru-RU" sz="2400" dirty="0" err="1" smtClean="0">
+              <a:rPr lang="ru-RU" sz="1800" dirty="0" err="1">
                 <a:latin typeface="Calibri" pitchFamily="34" charset="0"/>
               </a:rPr>
               <a:t>трансклюзивную</a:t>
             </a:r>
             <a:r>
-              <a:rPr lang="ru-RU" sz="2400" dirty="0" smtClean="0">
+              <a:rPr lang="ru-RU" sz="1800" dirty="0">
                 <a:latin typeface="Calibri" pitchFamily="34" charset="0"/>
               </a:rPr>
               <a:t> функцию, которая уже предварительно связана с нужной областью видимости. </a:t>
             </a:r>
-            <a:endParaRPr lang="uk-UA" sz="2400" dirty="0">
+            <a:endParaRPr lang="uk-UA" sz="1800" dirty="0">
               <a:latin typeface="Calibri" pitchFamily="34" charset="0"/>
             </a:endParaRPr>
           </a:p>
